--- a/Ignite the Tour 2020 London/Open Service Broker for Azure/OpenServiceBrokerAzure.pptx
+++ b/Ignite the Tour 2020 London/Open Service Broker for Azure/OpenServiceBrokerAzure.pptx
@@ -22,7 +22,7 @@
     <p:sldId id="2043" r:id="rId13"/>
     <p:sldId id="1527" r:id="rId14"/>
     <p:sldId id="2045" r:id="rId15"/>
-    <p:sldId id="2044" r:id="rId16"/>
+    <p:sldId id="2046" r:id="rId16"/>
   </p:sldIdLst>
   <p:sldSz cx="12192000" cy="6858000"/>
   <p:notesSz cx="6858000" cy="9144000"/>
@@ -135,7 +135,7 @@
             <p14:sldId id="2043"/>
             <p14:sldId id="1527"/>
             <p14:sldId id="2045"/>
-            <p14:sldId id="2044"/>
+            <p14:sldId id="2046"/>
           </p14:sldIdLst>
         </p14:section>
         <p14:section name="Light Gray" id="{4B1BBE2A-6D55-4595-AFBA-0E30BE368C15}">
@@ -281,7 +281,7 @@
               <a:rPr lang="en-US" smtClean="0">
                 <a:latin typeface="Segoe UI" pitchFamily="34" charset="0"/>
               </a:rPr>
-              <a:t>1/8/2020 7:39 PM</a:t>
+              <a:t>1/9/2020 9:08 PM</a:t>
             </a:fld>
             <a:endParaRPr lang="en-US" dirty="0">
               <a:latin typeface="Segoe UI" pitchFamily="34" charset="0"/>
@@ -559,7 +559,7 @@
           <a:p>
             <a:fld id="{386CE63F-9E7F-4C04-9D0D-FCA25A8E9E86}" type="datetime8">
               <a:rPr lang="en-US" smtClean="0"/>
-              <a:t>1/8/2020 7:39 PM</a:t>
+              <a:t>1/9/2020 9:08 PM</a:t>
             </a:fld>
             <a:endParaRPr lang="en-US" dirty="0"/>
           </a:p>
@@ -926,7 +926,7 @@
           <a:p>
             <a:fld id="{62072DC8-D49D-432C-9D46-A7718B5F5490}" type="datetime8">
               <a:rPr lang="en-US" smtClean="0"/>
-              <a:t>1/8/2020 7:39 PM</a:t>
+              <a:t>1/9/2020 9:08 PM</a:t>
             </a:fld>
             <a:endParaRPr lang="en-US" dirty="0"/>
           </a:p>
@@ -1091,7 +1091,7 @@
           <a:p>
             <a:fld id="{72E0C910-0166-48E0-B8EF-5071277A02A8}" type="datetime8">
               <a:rPr lang="en-US" smtClean="0"/>
-              <a:t>1/8/2020 7:50 PM</a:t>
+              <a:t>1/9/2020 9:08 PM</a:t>
             </a:fld>
             <a:endParaRPr lang="en-US" dirty="0"/>
           </a:p>
@@ -1256,7 +1256,7 @@
           <a:p>
             <a:fld id="{72E0C910-0166-48E0-B8EF-5071277A02A8}" type="datetime8">
               <a:rPr lang="en-US" smtClean="0"/>
-              <a:t>1/8/2020 7:55 PM</a:t>
+              <a:t>1/9/2020 9:08 PM</a:t>
             </a:fld>
             <a:endParaRPr lang="en-US" dirty="0"/>
           </a:p>
@@ -1421,7 +1421,7 @@
           <a:p>
             <a:fld id="{B16574EE-8191-4BCC-ABE6-D00A4F4D7690}" type="datetime8">
               <a:rPr lang="en-US" smtClean="0"/>
-              <a:t>1/8/2020 7:39 PM</a:t>
+              <a:t>1/9/2020 9:08 PM</a:t>
             </a:fld>
             <a:endParaRPr lang="en-US" dirty="0"/>
           </a:p>
@@ -1586,7 +1586,7 @@
           <a:p>
             <a:fld id="{72E0C910-0166-48E0-B8EF-5071277A02A8}" type="datetime8">
               <a:rPr lang="en-US" smtClean="0"/>
-              <a:t>1/8/2020 8:08 PM</a:t>
+              <a:t>1/9/2020 9:08 PM</a:t>
             </a:fld>
             <a:endParaRPr lang="en-US" dirty="0"/>
           </a:p>
@@ -36763,10 +36763,10 @@
       </p:pic>
       <p:pic>
         <p:nvPicPr>
-          <p:cNvPr id="13" name="Picture 12">
+          <p:cNvPr id="12" name="Picture 11">
             <a:extLst>
               <a:ext uri="{FF2B5EF4-FFF2-40B4-BE49-F238E27FC236}">
-                <a16:creationId xmlns:a16="http://schemas.microsoft.com/office/drawing/2014/main" id="{B9BAFBB9-7FC9-49BB-A213-5A665DBA69C0}"/>
+                <a16:creationId xmlns:a16="http://schemas.microsoft.com/office/drawing/2014/main" id="{6F5970D2-2BA0-4C92-A222-19FC0E952D8F}"/>
               </a:ext>
             </a:extLst>
           </p:cNvPr>
@@ -36783,8 +36783,8 @@
         </p:blipFill>
         <p:spPr>
           <a:xfrm>
-            <a:off x="8565865" y="3966498"/>
-            <a:ext cx="2406935" cy="2406935"/>
+            <a:off x="8795994" y="3653477"/>
+            <a:ext cx="2808093" cy="2808093"/>
           </a:xfrm>
           <a:prstGeom prst="rect">
             <a:avLst/>
@@ -36794,7 +36794,7 @@
     </p:spTree>
     <p:extLst>
       <p:ext uri="{BB962C8B-B14F-4D97-AF65-F5344CB8AC3E}">
-        <p14:creationId xmlns:p14="http://schemas.microsoft.com/office/powerpoint/2010/main" val="1381788031"/>
+        <p14:creationId xmlns:p14="http://schemas.microsoft.com/office/powerpoint/2010/main" val="3438087345"/>
       </p:ext>
     </p:extLst>
   </p:cSld>
@@ -37400,6 +37400,36 @@
           <a:xfrm>
             <a:off x="4474369" y="5585111"/>
             <a:ext cx="406400" cy="406400"/>
+          </a:xfrm>
+          <a:prstGeom prst="rect">
+            <a:avLst/>
+          </a:prstGeom>
+        </p:spPr>
+      </p:pic>
+      <p:pic>
+        <p:nvPicPr>
+          <p:cNvPr id="12" name="Picture 11">
+            <a:extLst>
+              <a:ext uri="{FF2B5EF4-FFF2-40B4-BE49-F238E27FC236}">
+                <a16:creationId xmlns:a16="http://schemas.microsoft.com/office/drawing/2014/main" id="{6F5970D2-2BA0-4C92-A222-19FC0E952D8F}"/>
+              </a:ext>
+            </a:extLst>
+          </p:cNvPr>
+          <p:cNvPicPr>
+            <a:picLocks noChangeAspect="1"/>
+          </p:cNvPicPr>
+          <p:nvPr/>
+        </p:nvPicPr>
+        <p:blipFill>
+          <a:blip r:embed="rId9"/>
+          <a:stretch>
+            <a:fillRect/>
+          </a:stretch>
+        </p:blipFill>
+        <p:spPr>
+          <a:xfrm>
+            <a:off x="8795994" y="3653477"/>
+            <a:ext cx="2808093" cy="2808093"/>
           </a:xfrm>
           <a:prstGeom prst="rect">
             <a:avLst/>
@@ -37602,81 +37632,284 @@
       </p:sp>
       <p:sp>
         <p:nvSpPr>
-          <p:cNvPr id="6" name="Text Placeholder 5"/>
-          <p:cNvSpPr>
-            <a:spLocks noGrp="1"/>
-          </p:cNvSpPr>
-          <p:nvPr>
-            <p:ph type="body" sz="quarter" idx="10"/>
-          </p:nvPr>
+          <p:cNvPr id="3" name="Rectangle 2">
+            <a:extLst>
+              <a:ext uri="{FF2B5EF4-FFF2-40B4-BE49-F238E27FC236}">
+                <a16:creationId xmlns:a16="http://schemas.microsoft.com/office/drawing/2014/main" id="{007A582B-50E5-4E06-B42E-DF16EF165D04}"/>
+              </a:ext>
+            </a:extLst>
+          </p:cNvPr>
+          <p:cNvSpPr/>
+          <p:nvPr/>
         </p:nvSpPr>
         <p:spPr>
           <a:xfrm>
-            <a:off x="884354" y="1753008"/>
-            <a:ext cx="11018520" cy="2548390"/>
+            <a:off x="2160526" y="1568918"/>
+            <a:ext cx="6084551" cy="646331"/>
           </a:xfrm>
+          <a:prstGeom prst="rect">
+            <a:avLst/>
+          </a:prstGeom>
         </p:spPr>
         <p:txBody>
-          <a:bodyPr/>
+          <a:bodyPr wrap="none">
+            <a:spAutoFit/>
+          </a:bodyPr>
           <a:lstStyle/>
           <a:p>
-            <a:pPr marL="571500" indent="-571500">
-              <a:buFont typeface="Arial" panose="020B0604020202020204" pitchFamily="34" charset="0"/>
-              <a:buChar char="•"/>
-            </a:pPr>
-            <a:r>
-              <a:rPr lang="en-US" sz="3600" dirty="0">
-                <a:solidFill>
-                  <a:schemeClr val="tx1"/>
-                </a:solidFill>
-              </a:rPr>
+            <a:r>
+              <a:rPr lang="en-US" sz="3600" dirty="0"/>
               <a:t>Provide a Catalog of Services</a:t>
-            </a:r>
-          </a:p>
-          <a:p>
-            <a:pPr marL="571500" indent="-571500">
-              <a:buFont typeface="Arial" panose="020B0604020202020204" pitchFamily="34" charset="0"/>
-              <a:buChar char="•"/>
-            </a:pPr>
-            <a:r>
-              <a:rPr lang="en-US" sz="3600" dirty="0">
-                <a:solidFill>
-                  <a:schemeClr val="tx1"/>
-                </a:solidFill>
-              </a:rPr>
-              <a:t>Provision New Instances</a:t>
-            </a:r>
-          </a:p>
-          <a:p>
-            <a:pPr marL="571500" indent="-571500">
-              <a:buFont typeface="Arial" panose="020B0604020202020204" pitchFamily="34" charset="0"/>
-              <a:buChar char="•"/>
-            </a:pPr>
-            <a:r>
-              <a:rPr lang="en-US" sz="3600" dirty="0">
-                <a:solidFill>
-                  <a:schemeClr val="tx1"/>
-                </a:solidFill>
-              </a:rPr>
-              <a:t>Connect and Disconnect Applications</a:t>
-            </a:r>
-          </a:p>
-          <a:p>
-            <a:pPr marL="571500" indent="-571500">
-              <a:buFont typeface="Arial" panose="020B0604020202020204" pitchFamily="34" charset="0"/>
-              <a:buChar char="•"/>
-            </a:pPr>
-            <a:r>
-              <a:rPr lang="en-US" sz="3600" dirty="0">
-                <a:solidFill>
-                  <a:schemeClr val="tx1"/>
-                </a:solidFill>
-              </a:rPr>
-              <a:t>Deprovisioning Instances</a:t>
             </a:r>
           </a:p>
         </p:txBody>
       </p:sp>
+      <p:sp>
+        <p:nvSpPr>
+          <p:cNvPr id="4" name="Rectangle 3">
+            <a:extLst>
+              <a:ext uri="{FF2B5EF4-FFF2-40B4-BE49-F238E27FC236}">
+                <a16:creationId xmlns:a16="http://schemas.microsoft.com/office/drawing/2014/main" id="{A70AC7BE-B86D-434D-A2E3-65DAE0B36F91}"/>
+              </a:ext>
+            </a:extLst>
+          </p:cNvPr>
+          <p:cNvSpPr/>
+          <p:nvPr/>
+        </p:nvSpPr>
+        <p:spPr>
+          <a:xfrm>
+            <a:off x="2160526" y="2528547"/>
+            <a:ext cx="5099794" cy="646331"/>
+          </a:xfrm>
+          <a:prstGeom prst="rect">
+            <a:avLst/>
+          </a:prstGeom>
+        </p:spPr>
+        <p:txBody>
+          <a:bodyPr wrap="none">
+            <a:spAutoFit/>
+          </a:bodyPr>
+          <a:lstStyle/>
+          <a:p>
+            <a:r>
+              <a:rPr lang="en-US" sz="3600" dirty="0"/>
+              <a:t>Provision New Instances</a:t>
+            </a:r>
+          </a:p>
+        </p:txBody>
+      </p:sp>
+      <p:sp>
+        <p:nvSpPr>
+          <p:cNvPr id="5" name="Rectangle 4">
+            <a:extLst>
+              <a:ext uri="{FF2B5EF4-FFF2-40B4-BE49-F238E27FC236}">
+                <a16:creationId xmlns:a16="http://schemas.microsoft.com/office/drawing/2014/main" id="{0E4DFC43-247C-41C3-87CE-643F5E8DFEC6}"/>
+              </a:ext>
+            </a:extLst>
+          </p:cNvPr>
+          <p:cNvSpPr/>
+          <p:nvPr/>
+        </p:nvSpPr>
+        <p:spPr>
+          <a:xfrm>
+            <a:off x="2160526" y="4276718"/>
+            <a:ext cx="7786106" cy="646331"/>
+          </a:xfrm>
+          <a:prstGeom prst="rect">
+            <a:avLst/>
+          </a:prstGeom>
+        </p:spPr>
+        <p:txBody>
+          <a:bodyPr wrap="none">
+            <a:spAutoFit/>
+          </a:bodyPr>
+          <a:lstStyle/>
+          <a:p>
+            <a:r>
+              <a:rPr lang="en-US" sz="3600" dirty="0"/>
+              <a:t>Connect and Disconnect Applications</a:t>
+            </a:r>
+          </a:p>
+        </p:txBody>
+      </p:sp>
+      <p:sp>
+        <p:nvSpPr>
+          <p:cNvPr id="7" name="Rectangle 6">
+            <a:extLst>
+              <a:ext uri="{FF2B5EF4-FFF2-40B4-BE49-F238E27FC236}">
+                <a16:creationId xmlns:a16="http://schemas.microsoft.com/office/drawing/2014/main" id="{5CA7C2D7-CADC-45A7-A159-B07ECC48F360}"/>
+              </a:ext>
+            </a:extLst>
+          </p:cNvPr>
+          <p:cNvSpPr/>
+          <p:nvPr/>
+        </p:nvSpPr>
+        <p:spPr>
+          <a:xfrm>
+            <a:off x="2160526" y="3364284"/>
+            <a:ext cx="5277727" cy="646331"/>
+          </a:xfrm>
+          <a:prstGeom prst="rect">
+            <a:avLst/>
+          </a:prstGeom>
+        </p:spPr>
+        <p:txBody>
+          <a:bodyPr wrap="none">
+            <a:spAutoFit/>
+          </a:bodyPr>
+          <a:lstStyle/>
+          <a:p>
+            <a:r>
+              <a:rPr lang="en-US" sz="3600" dirty="0"/>
+              <a:t>Deprovisioning Instances</a:t>
+            </a:r>
+          </a:p>
+        </p:txBody>
+      </p:sp>
+      <p:pic>
+        <p:nvPicPr>
+          <p:cNvPr id="11" name="Graphic 10">
+            <a:extLst>
+              <a:ext uri="{FF2B5EF4-FFF2-40B4-BE49-F238E27FC236}">
+                <a16:creationId xmlns:a16="http://schemas.microsoft.com/office/drawing/2014/main" id="{2F7D772B-38F5-48FF-8B15-B68120E8CE74}"/>
+              </a:ext>
+            </a:extLst>
+          </p:cNvPr>
+          <p:cNvPicPr>
+            <a:picLocks noChangeAspect="1"/>
+          </p:cNvPicPr>
+          <p:nvPr/>
+        </p:nvPicPr>
+        <p:blipFill>
+          <a:blip r:embed="rId3">
+            <a:extLst>
+              <a:ext uri="{96DAC541-7B7A-43D3-8B79-37D633B846F1}">
+                <asvg:svgBlip xmlns:asvg="http://schemas.microsoft.com/office/drawing/2016/SVG/main" r:embed="rId4"/>
+              </a:ext>
+            </a:extLst>
+          </a:blip>
+          <a:stretch>
+            <a:fillRect/>
+          </a:stretch>
+        </p:blipFill>
+        <p:spPr>
+          <a:xfrm>
+            <a:off x="1149249" y="1558594"/>
+            <a:ext cx="609600" cy="609600"/>
+          </a:xfrm>
+          <a:prstGeom prst="rect">
+            <a:avLst/>
+          </a:prstGeom>
+        </p:spPr>
+      </p:pic>
+      <p:pic>
+        <p:nvPicPr>
+          <p:cNvPr id="13" name="Graphic 12">
+            <a:extLst>
+              <a:ext uri="{FF2B5EF4-FFF2-40B4-BE49-F238E27FC236}">
+                <a16:creationId xmlns:a16="http://schemas.microsoft.com/office/drawing/2014/main" id="{94663B44-4531-4EB5-AB5C-D615B8E98DC5}"/>
+              </a:ext>
+            </a:extLst>
+          </p:cNvPr>
+          <p:cNvPicPr>
+            <a:picLocks noChangeAspect="1"/>
+          </p:cNvPicPr>
+          <p:nvPr/>
+        </p:nvPicPr>
+        <p:blipFill>
+          <a:blip r:embed="rId5">
+            <a:extLst>
+              <a:ext uri="{96DAC541-7B7A-43D3-8B79-37D633B846F1}">
+                <asvg:svgBlip xmlns:asvg="http://schemas.microsoft.com/office/drawing/2016/SVG/main" r:embed="rId6"/>
+              </a:ext>
+            </a:extLst>
+          </a:blip>
+          <a:stretch>
+            <a:fillRect/>
+          </a:stretch>
+        </p:blipFill>
+        <p:spPr>
+          <a:xfrm>
+            <a:off x="1149249" y="2560140"/>
+            <a:ext cx="609600" cy="609600"/>
+          </a:xfrm>
+          <a:prstGeom prst="rect">
+            <a:avLst/>
+          </a:prstGeom>
+        </p:spPr>
+      </p:pic>
+      <p:pic>
+        <p:nvPicPr>
+          <p:cNvPr id="15" name="Graphic 14">
+            <a:extLst>
+              <a:ext uri="{FF2B5EF4-FFF2-40B4-BE49-F238E27FC236}">
+                <a16:creationId xmlns:a16="http://schemas.microsoft.com/office/drawing/2014/main" id="{0DAB29A0-55D5-438C-BCF3-09CE299CE87D}"/>
+              </a:ext>
+            </a:extLst>
+          </p:cNvPr>
+          <p:cNvPicPr>
+            <a:picLocks noChangeAspect="1"/>
+          </p:cNvPicPr>
+          <p:nvPr/>
+        </p:nvPicPr>
+        <p:blipFill>
+          <a:blip r:embed="rId7">
+            <a:extLst>
+              <a:ext uri="{96DAC541-7B7A-43D3-8B79-37D633B846F1}">
+                <asvg:svgBlip xmlns:asvg="http://schemas.microsoft.com/office/drawing/2016/SVG/main" r:embed="rId8"/>
+              </a:ext>
+            </a:extLst>
+          </a:blip>
+          <a:stretch>
+            <a:fillRect/>
+          </a:stretch>
+        </p:blipFill>
+        <p:spPr>
+          <a:xfrm>
+            <a:off x="1149249" y="3437794"/>
+            <a:ext cx="609600" cy="609600"/>
+          </a:xfrm>
+          <a:prstGeom prst="rect">
+            <a:avLst/>
+          </a:prstGeom>
+        </p:spPr>
+      </p:pic>
+      <p:pic>
+        <p:nvPicPr>
+          <p:cNvPr id="18" name="Graphic 17">
+            <a:extLst>
+              <a:ext uri="{FF2B5EF4-FFF2-40B4-BE49-F238E27FC236}">
+                <a16:creationId xmlns:a16="http://schemas.microsoft.com/office/drawing/2014/main" id="{CA27A60D-E008-44FA-9007-528707EDCBDC}"/>
+              </a:ext>
+            </a:extLst>
+          </p:cNvPr>
+          <p:cNvPicPr>
+            <a:picLocks noChangeAspect="1"/>
+          </p:cNvPicPr>
+          <p:nvPr/>
+        </p:nvPicPr>
+        <p:blipFill>
+          <a:blip r:embed="rId9">
+            <a:extLst>
+              <a:ext uri="{96DAC541-7B7A-43D3-8B79-37D633B846F1}">
+                <asvg:svgBlip xmlns:asvg="http://schemas.microsoft.com/office/drawing/2016/SVG/main" r:embed="rId10"/>
+              </a:ext>
+            </a:extLst>
+          </a:blip>
+          <a:stretch>
+            <a:fillRect/>
+          </a:stretch>
+        </p:blipFill>
+        <p:spPr>
+          <a:xfrm>
+            <a:off x="1149249" y="4392147"/>
+            <a:ext cx="609600" cy="609600"/>
+          </a:xfrm>
+          <a:prstGeom prst="rect">
+            <a:avLst/>
+          </a:prstGeom>
+        </p:spPr>
+      </p:pic>
     </p:spTree>
     <p:extLst>
       <p:ext uri="{BB962C8B-B14F-4D97-AF65-F5344CB8AC3E}">
@@ -39582,25 +39815,6 @@
 </file>
 
 <file path=customXml/item1.xml><?xml version="1.0" encoding="utf-8"?>
-<p:properties xmlns:p="http://schemas.microsoft.com/office/2006/metadata/properties" xmlns:xsi="http://www.w3.org/2001/XMLSchema-instance" xmlns:pc="http://schemas.microsoft.com/office/infopath/2007/PartnerControls">
-  <documentManagement>
-    <_ip_UnifiedCompliancePolicyUIAction xmlns="http://schemas.microsoft.com/sharepoint/v3" xsi:nil="true"/>
-    <_ip_UnifiedCompliancePolicyProperties xmlns="http://schemas.microsoft.com/sharepoint/v3" xsi:nil="true"/>
-    <MediaServiceKeyPoints xmlns="e4aa919a-b200-49cb-beca-4c7e0810321e" xsi:nil="true"/>
-  </documentManagement>
-</p:properties>
-</file>
-
-<file path=customXml/item2.xml><?xml version="1.0" encoding="utf-8"?>
-<?mso-contentType ?>
-<FormTemplates xmlns="http://schemas.microsoft.com/sharepoint/v3/contenttype/forms">
-  <Display>DocumentLibraryForm</Display>
-  <Edit>DocumentLibraryForm</Edit>
-  <New>DocumentLibraryForm</New>
-</FormTemplates>
-</file>
-
-<file path=customXml/item3.xml><?xml version="1.0" encoding="utf-8"?>
 <ct:contentTypeSchema xmlns:ct="http://schemas.microsoft.com/office/2006/metadata/contentType" xmlns:ma="http://schemas.microsoft.com/office/2006/metadata/properties/metaAttributes" ct:_="" ma:_="" ma:contentTypeName="Document" ma:contentTypeID="0x010100778A2EBC6E34694C80F43E94FCA993B5" ma:contentTypeVersion="14" ma:contentTypeDescription="Create a new document." ma:contentTypeScope="" ma:versionID="1a7ced39ac191f9ec8deffde533b0c1c">
   <xsd:schema xmlns:xsd="http://www.w3.org/2001/XMLSchema" xmlns:xs="http://www.w3.org/2001/XMLSchema" xmlns:p="http://schemas.microsoft.com/office/2006/metadata/properties" xmlns:ns1="http://schemas.microsoft.com/sharepoint/v3" xmlns:ns2="e4aa919a-b200-49cb-beca-4c7e0810321e" xmlns:ns3="06670dda-0291-4061-b6e0-f6c0cb392c51" targetNamespace="http://schemas.microsoft.com/office/2006/metadata/properties" ma:root="true" ma:fieldsID="bedea8c8816a4e5934c808becd103583" ns1:_="" ns2:_="" ns3:_="">
     <xsd:import namespace="http://schemas.microsoft.com/sharepoint/v3"/>
@@ -39834,33 +40048,26 @@
 </ct:contentTypeSchema>
 </file>
 
-<file path=customXml/itemProps1.xml><?xml version="1.0" encoding="utf-8"?>
-<ds:datastoreItem xmlns:ds="http://schemas.openxmlformats.org/officeDocument/2006/customXml" ds:itemID="{F990F116-B58F-4255-B05B-DA3808E0E5C6}">
-  <ds:schemaRefs>
-    <ds:schemaRef ds:uri="http://schemas.microsoft.com/office/2006/documentManagement/types"/>
-    <ds:schemaRef ds:uri="http://schemas.microsoft.com/office/2006/metadata/properties"/>
-    <ds:schemaRef ds:uri="06670dda-0291-4061-b6e0-f6c0cb392c51"/>
-    <ds:schemaRef ds:uri="http://purl.org/dc/elements/1.1/"/>
-    <ds:schemaRef ds:uri="http://schemas.openxmlformats.org/package/2006/metadata/core-properties"/>
-    <ds:schemaRef ds:uri="http://www.w3.org/XML/1998/namespace"/>
-    <ds:schemaRef ds:uri="http://schemas.microsoft.com/office/infopath/2007/PartnerControls"/>
-    <ds:schemaRef ds:uri="e4aa919a-b200-49cb-beca-4c7e0810321e"/>
-    <ds:schemaRef ds:uri="http://schemas.microsoft.com/sharepoint/v3"/>
-    <ds:schemaRef ds:uri="http://purl.org/dc/dcmitype/"/>
-    <ds:schemaRef ds:uri="http://purl.org/dc/terms/"/>
-  </ds:schemaRefs>
-</ds:datastoreItem>
+<file path=customXml/item2.xml><?xml version="1.0" encoding="utf-8"?>
+<?mso-contentType ?>
+<FormTemplates xmlns="http://schemas.microsoft.com/sharepoint/v3/contenttype/forms">
+  <Display>DocumentLibraryForm</Display>
+  <Edit>DocumentLibraryForm</Edit>
+  <New>DocumentLibraryForm</New>
+</FormTemplates>
 </file>
 
-<file path=customXml/itemProps2.xml><?xml version="1.0" encoding="utf-8"?>
-<ds:datastoreItem xmlns:ds="http://schemas.openxmlformats.org/officeDocument/2006/customXml" ds:itemID="{758FDAC0-319D-4A54-8D8E-1D42CB1F8004}">
-  <ds:schemaRefs>
-    <ds:schemaRef ds:uri="http://schemas.microsoft.com/sharepoint/v3/contenttype/forms"/>
-  </ds:schemaRefs>
-</ds:datastoreItem>
+<file path=customXml/item3.xml><?xml version="1.0" encoding="utf-8"?>
+<p:properties xmlns:p="http://schemas.microsoft.com/office/2006/metadata/properties" xmlns:xsi="http://www.w3.org/2001/XMLSchema-instance" xmlns:pc="http://schemas.microsoft.com/office/infopath/2007/PartnerControls">
+  <documentManagement>
+    <_ip_UnifiedCompliancePolicyUIAction xmlns="http://schemas.microsoft.com/sharepoint/v3" xsi:nil="true"/>
+    <_ip_UnifiedCompliancePolicyProperties xmlns="http://schemas.microsoft.com/sharepoint/v3" xsi:nil="true"/>
+    <MediaServiceKeyPoints xmlns="e4aa919a-b200-49cb-beca-4c7e0810321e" xsi:nil="true"/>
+  </documentManagement>
+</p:properties>
 </file>
 
-<file path=customXml/itemProps3.xml><?xml version="1.0" encoding="utf-8"?>
+<file path=customXml/itemProps1.xml><?xml version="1.0" encoding="utf-8"?>
 <ds:datastoreItem xmlns:ds="http://schemas.openxmlformats.org/officeDocument/2006/customXml" ds:itemID="{0BB3C309-8520-4616-80FC-2CB10D5B83A0}">
   <ds:schemaRefs>
     <ds:schemaRef ds:uri="http://schemas.microsoft.com/office/2006/metadata/contentType"/>
@@ -39878,4 +40085,30 @@
     <ds:schemaRef ds:uri="http://schemas.microsoft.com/internal/obd"/>
   </ds:schemaRefs>
 </ds:datastoreItem>
+</file>
+
+<file path=customXml/itemProps2.xml><?xml version="1.0" encoding="utf-8"?>
+<ds:datastoreItem xmlns:ds="http://schemas.openxmlformats.org/officeDocument/2006/customXml" ds:itemID="{758FDAC0-319D-4A54-8D8E-1D42CB1F8004}">
+  <ds:schemaRefs>
+    <ds:schemaRef ds:uri="http://schemas.microsoft.com/sharepoint/v3/contenttype/forms"/>
+  </ds:schemaRefs>
+</ds:datastoreItem>
+</file>
+
+<file path=customXml/itemProps3.xml><?xml version="1.0" encoding="utf-8"?>
+<ds:datastoreItem xmlns:ds="http://schemas.openxmlformats.org/officeDocument/2006/customXml" ds:itemID="{F990F116-B58F-4255-B05B-DA3808E0E5C6}">
+  <ds:schemaRefs>
+    <ds:schemaRef ds:uri="http://schemas.microsoft.com/office/2006/documentManagement/types"/>
+    <ds:schemaRef ds:uri="http://schemas.microsoft.com/office/2006/metadata/properties"/>
+    <ds:schemaRef ds:uri="06670dda-0291-4061-b6e0-f6c0cb392c51"/>
+    <ds:schemaRef ds:uri="http://purl.org/dc/elements/1.1/"/>
+    <ds:schemaRef ds:uri="http://schemas.openxmlformats.org/package/2006/metadata/core-properties"/>
+    <ds:schemaRef ds:uri="http://www.w3.org/XML/1998/namespace"/>
+    <ds:schemaRef ds:uri="http://schemas.microsoft.com/office/infopath/2007/PartnerControls"/>
+    <ds:schemaRef ds:uri="e4aa919a-b200-49cb-beca-4c7e0810321e"/>
+    <ds:schemaRef ds:uri="http://schemas.microsoft.com/sharepoint/v3"/>
+    <ds:schemaRef ds:uri="http://purl.org/dc/dcmitype/"/>
+    <ds:schemaRef ds:uri="http://purl.org/dc/terms/"/>
+  </ds:schemaRefs>
+</ds:datastoreItem>
 </file>
--- a/Ignite the Tour 2020 London/Open Service Broker for Azure/OpenServiceBrokerAzure.pptx
+++ b/Ignite the Tour 2020 London/Open Service Broker for Azure/OpenServiceBrokerAzure.pptx
@@ -281,7 +281,7 @@
               <a:rPr lang="en-US" smtClean="0">
                 <a:latin typeface="Segoe UI" pitchFamily="34" charset="0"/>
               </a:rPr>
-              <a:t>1/8/2020 7:39 PM</a:t>
+              <a:t>1/16/2020 11:23 AM</a:t>
             </a:fld>
             <a:endParaRPr lang="en-US" dirty="0">
               <a:latin typeface="Segoe UI" pitchFamily="34" charset="0"/>
@@ -559,7 +559,7 @@
           <a:p>
             <a:fld id="{386CE63F-9E7F-4C04-9D0D-FCA25A8E9E86}" type="datetime8">
               <a:rPr lang="en-US" smtClean="0"/>
-              <a:t>1/8/2020 7:39 PM</a:t>
+              <a:t>1/16/2020 11:22 AM</a:t>
             </a:fld>
             <a:endParaRPr lang="en-US" dirty="0"/>
           </a:p>
@@ -926,7 +926,7 @@
           <a:p>
             <a:fld id="{62072DC8-D49D-432C-9D46-A7718B5F5490}" type="datetime8">
               <a:rPr lang="en-US" smtClean="0"/>
-              <a:t>1/8/2020 7:39 PM</a:t>
+              <a:t>1/16/2020 11:22 AM</a:t>
             </a:fld>
             <a:endParaRPr lang="en-US" dirty="0"/>
           </a:p>
@@ -1091,7 +1091,7 @@
           <a:p>
             <a:fld id="{72E0C910-0166-48E0-B8EF-5071277A02A8}" type="datetime8">
               <a:rPr lang="en-US" smtClean="0"/>
-              <a:t>1/8/2020 7:50 PM</a:t>
+              <a:t>1/16/2020 11:22 AM</a:t>
             </a:fld>
             <a:endParaRPr lang="en-US" dirty="0"/>
           </a:p>
@@ -1256,7 +1256,7 @@
           <a:p>
             <a:fld id="{72E0C910-0166-48E0-B8EF-5071277A02A8}" type="datetime8">
               <a:rPr lang="en-US" smtClean="0"/>
-              <a:t>1/8/2020 7:55 PM</a:t>
+              <a:t>1/16/2020 11:22 AM</a:t>
             </a:fld>
             <a:endParaRPr lang="en-US" dirty="0"/>
           </a:p>
@@ -1421,7 +1421,7 @@
           <a:p>
             <a:fld id="{B16574EE-8191-4BCC-ABE6-D00A4F4D7690}" type="datetime8">
               <a:rPr lang="en-US" smtClean="0"/>
-              <a:t>1/8/2020 7:39 PM</a:t>
+              <a:t>1/16/2020 11:22 AM</a:t>
             </a:fld>
             <a:endParaRPr lang="en-US" dirty="0"/>
           </a:p>
@@ -1586,7 +1586,7 @@
           <a:p>
             <a:fld id="{72E0C910-0166-48E0-B8EF-5071277A02A8}" type="datetime8">
               <a:rPr lang="en-US" smtClean="0"/>
-              <a:t>1/8/2020 8:08 PM</a:t>
+              <a:t>1/16/2020 11:22 AM</a:t>
             </a:fld>
             <a:endParaRPr lang="en-US" dirty="0"/>
           </a:p>
@@ -36761,36 +36761,6 @@
           </a:prstGeom>
         </p:spPr>
       </p:pic>
-      <p:pic>
-        <p:nvPicPr>
-          <p:cNvPr id="13" name="Picture 12">
-            <a:extLst>
-              <a:ext uri="{FF2B5EF4-FFF2-40B4-BE49-F238E27FC236}">
-                <a16:creationId xmlns:a16="http://schemas.microsoft.com/office/drawing/2014/main" id="{B9BAFBB9-7FC9-49BB-A213-5A665DBA69C0}"/>
-              </a:ext>
-            </a:extLst>
-          </p:cNvPr>
-          <p:cNvPicPr>
-            <a:picLocks noChangeAspect="1"/>
-          </p:cNvPicPr>
-          <p:nvPr/>
-        </p:nvPicPr>
-        <p:blipFill>
-          <a:blip r:embed="rId9"/>
-          <a:stretch>
-            <a:fillRect/>
-          </a:stretch>
-        </p:blipFill>
-        <p:spPr>
-          <a:xfrm>
-            <a:off x="8565865" y="3966498"/>
-            <a:ext cx="2406935" cy="2406935"/>
-          </a:xfrm>
-          <a:prstGeom prst="rect">
-            <a:avLst/>
-          </a:prstGeom>
-        </p:spPr>
-      </p:pic>
     </p:spTree>
     <p:extLst>
       <p:ext uri="{BB962C8B-B14F-4D97-AF65-F5344CB8AC3E}">
@@ -37588,95 +37558,303 @@
             <p:ph type="title"/>
           </p:nvPr>
         </p:nvSpPr>
-        <p:spPr/>
-        <p:txBody>
-          <a:bodyPr/>
-          <a:lstStyle/>
-          <a:p>
-            <a:r>
-              <a:rPr lang="en-US" dirty="0"/>
-              <a:t>Open Service Broker</a:t>
-            </a:r>
-          </a:p>
-        </p:txBody>
-      </p:sp>
-      <p:sp>
-        <p:nvSpPr>
-          <p:cNvPr id="6" name="Text Placeholder 5"/>
-          <p:cNvSpPr>
-            <a:spLocks noGrp="1"/>
-          </p:cNvSpPr>
-          <p:nvPr>
-            <p:ph type="body" sz="quarter" idx="10"/>
-          </p:nvPr>
-        </p:nvSpPr>
         <p:spPr>
           <a:xfrm>
-            <a:off x="884354" y="1753008"/>
-            <a:ext cx="11018520" cy="2548390"/>
+            <a:off x="588263" y="457200"/>
+            <a:ext cx="11018520" cy="553998"/>
           </a:xfrm>
         </p:spPr>
         <p:txBody>
           <a:bodyPr/>
           <a:lstStyle/>
           <a:p>
-            <a:pPr marL="571500" indent="-571500">
-              <a:buFont typeface="Arial" panose="020B0604020202020204" pitchFamily="34" charset="0"/>
-              <a:buChar char="•"/>
-            </a:pPr>
-            <a:r>
-              <a:rPr lang="en-US" sz="3600" dirty="0">
-                <a:solidFill>
-                  <a:schemeClr val="tx1"/>
-                </a:solidFill>
-              </a:rPr>
-              <a:t>Provide a Catalog of Services</a:t>
-            </a:r>
-          </a:p>
-          <a:p>
-            <a:pPr marL="571500" indent="-571500">
-              <a:buFont typeface="Arial" panose="020B0604020202020204" pitchFamily="34" charset="0"/>
-              <a:buChar char="•"/>
-            </a:pPr>
-            <a:r>
-              <a:rPr lang="en-US" sz="3600" dirty="0">
-                <a:solidFill>
-                  <a:schemeClr val="tx1"/>
-                </a:solidFill>
-              </a:rPr>
-              <a:t>Provision New Instances</a:t>
-            </a:r>
-          </a:p>
-          <a:p>
-            <a:pPr marL="571500" indent="-571500">
-              <a:buFont typeface="Arial" panose="020B0604020202020204" pitchFamily="34" charset="0"/>
-              <a:buChar char="•"/>
-            </a:pPr>
-            <a:r>
-              <a:rPr lang="en-US" sz="3600" dirty="0">
-                <a:solidFill>
-                  <a:schemeClr val="tx1"/>
-                </a:solidFill>
-              </a:rPr>
-              <a:t>Connect and Disconnect Applications</a:t>
-            </a:r>
-          </a:p>
-          <a:p>
-            <a:pPr marL="571500" indent="-571500">
-              <a:buFont typeface="Arial" panose="020B0604020202020204" pitchFamily="34" charset="0"/>
-              <a:buChar char="•"/>
-            </a:pPr>
-            <a:r>
-              <a:rPr lang="en-US" sz="3600" dirty="0">
-                <a:solidFill>
-                  <a:schemeClr val="tx1"/>
-                </a:solidFill>
-              </a:rPr>
-              <a:t>Deprovisioning Instances</a:t>
+            <a:r>
+              <a:rPr lang="en-US" dirty="0"/>
+              <a:t>Open Service Broker</a:t>
             </a:r>
           </a:p>
         </p:txBody>
       </p:sp>
+      <p:sp>
+        <p:nvSpPr>
+          <p:cNvPr id="2" name="Rectangle 1">
+            <a:extLst>
+              <a:ext uri="{FF2B5EF4-FFF2-40B4-BE49-F238E27FC236}">
+                <a16:creationId xmlns:a16="http://schemas.microsoft.com/office/drawing/2014/main" id="{D16B10C7-5BE5-469F-A1E5-D3C37F587CF7}"/>
+              </a:ext>
+            </a:extLst>
+          </p:cNvPr>
+          <p:cNvSpPr/>
+          <p:nvPr/>
+        </p:nvSpPr>
+        <p:spPr>
+          <a:xfrm>
+            <a:off x="1841589" y="1805251"/>
+            <a:ext cx="6734216" cy="707886"/>
+          </a:xfrm>
+          <a:prstGeom prst="rect">
+            <a:avLst/>
+          </a:prstGeom>
+        </p:spPr>
+        <p:txBody>
+          <a:bodyPr wrap="none">
+            <a:spAutoFit/>
+          </a:bodyPr>
+          <a:lstStyle/>
+          <a:p>
+            <a:r>
+              <a:rPr lang="en-US" sz="4000" dirty="0"/>
+              <a:t>Provide a Catalog of Services</a:t>
+            </a:r>
+          </a:p>
+        </p:txBody>
+      </p:sp>
+      <p:sp>
+        <p:nvSpPr>
+          <p:cNvPr id="3" name="Rectangle 2">
+            <a:extLst>
+              <a:ext uri="{FF2B5EF4-FFF2-40B4-BE49-F238E27FC236}">
+                <a16:creationId xmlns:a16="http://schemas.microsoft.com/office/drawing/2014/main" id="{39716005-7B4F-4504-8CDF-93900270315D}"/>
+              </a:ext>
+            </a:extLst>
+          </p:cNvPr>
+          <p:cNvSpPr/>
+          <p:nvPr/>
+        </p:nvSpPr>
+        <p:spPr>
+          <a:xfrm>
+            <a:off x="1841589" y="2549105"/>
+            <a:ext cx="5644174" cy="707886"/>
+          </a:xfrm>
+          <a:prstGeom prst="rect">
+            <a:avLst/>
+          </a:prstGeom>
+        </p:spPr>
+        <p:txBody>
+          <a:bodyPr wrap="none">
+            <a:spAutoFit/>
+          </a:bodyPr>
+          <a:lstStyle/>
+          <a:p>
+            <a:r>
+              <a:rPr lang="en-US" sz="4000" dirty="0"/>
+              <a:t>Provision New Instances</a:t>
+            </a:r>
+          </a:p>
+        </p:txBody>
+      </p:sp>
+      <p:sp>
+        <p:nvSpPr>
+          <p:cNvPr id="4" name="Rectangle 3">
+            <a:extLst>
+              <a:ext uri="{FF2B5EF4-FFF2-40B4-BE49-F238E27FC236}">
+                <a16:creationId xmlns:a16="http://schemas.microsoft.com/office/drawing/2014/main" id="{9DF637CE-F93F-4821-A42B-39CC0F5363C5}"/>
+              </a:ext>
+            </a:extLst>
+          </p:cNvPr>
+          <p:cNvSpPr/>
+          <p:nvPr/>
+        </p:nvSpPr>
+        <p:spPr>
+          <a:xfrm>
+            <a:off x="1841589" y="3292959"/>
+            <a:ext cx="8626079" cy="707886"/>
+          </a:xfrm>
+          <a:prstGeom prst="rect">
+            <a:avLst/>
+          </a:prstGeom>
+        </p:spPr>
+        <p:txBody>
+          <a:bodyPr wrap="none">
+            <a:spAutoFit/>
+          </a:bodyPr>
+          <a:lstStyle/>
+          <a:p>
+            <a:r>
+              <a:rPr lang="en-US" sz="4000" dirty="0"/>
+              <a:t>Connect and Disconnect Applications</a:t>
+            </a:r>
+          </a:p>
+        </p:txBody>
+      </p:sp>
+      <p:sp>
+        <p:nvSpPr>
+          <p:cNvPr id="5" name="Rectangle 4">
+            <a:extLst>
+              <a:ext uri="{FF2B5EF4-FFF2-40B4-BE49-F238E27FC236}">
+                <a16:creationId xmlns:a16="http://schemas.microsoft.com/office/drawing/2014/main" id="{5116BE78-EA80-45B0-89BB-602FF0D8F38B}"/>
+              </a:ext>
+            </a:extLst>
+          </p:cNvPr>
+          <p:cNvSpPr/>
+          <p:nvPr/>
+        </p:nvSpPr>
+        <p:spPr>
+          <a:xfrm>
+            <a:off x="1841589" y="4036814"/>
+            <a:ext cx="5839740" cy="707886"/>
+          </a:xfrm>
+          <a:prstGeom prst="rect">
+            <a:avLst/>
+          </a:prstGeom>
+        </p:spPr>
+        <p:txBody>
+          <a:bodyPr wrap="none">
+            <a:spAutoFit/>
+          </a:bodyPr>
+          <a:lstStyle/>
+          <a:p>
+            <a:r>
+              <a:rPr lang="en-US" sz="4000" dirty="0"/>
+              <a:t>Deprovisioning Instances</a:t>
+            </a:r>
+          </a:p>
+        </p:txBody>
+      </p:sp>
+      <p:pic>
+        <p:nvPicPr>
+          <p:cNvPr id="10" name="Graphic 9">
+            <a:extLst>
+              <a:ext uri="{FF2B5EF4-FFF2-40B4-BE49-F238E27FC236}">
+                <a16:creationId xmlns:a16="http://schemas.microsoft.com/office/drawing/2014/main" id="{26EE20BD-2FD4-4068-B5BA-7A0B90BA2664}"/>
+              </a:ext>
+            </a:extLst>
+          </p:cNvPr>
+          <p:cNvPicPr>
+            <a:picLocks noChangeAspect="1"/>
+          </p:cNvPicPr>
+          <p:nvPr/>
+        </p:nvPicPr>
+        <p:blipFill>
+          <a:blip r:embed="rId3">
+            <a:extLst>
+              <a:ext uri="{96DAC541-7B7A-43D3-8B79-37D633B846F1}">
+                <asvg:svgBlip xmlns:asvg="http://schemas.microsoft.com/office/drawing/2016/SVG/main" r:embed="rId4"/>
+              </a:ext>
+            </a:extLst>
+          </a:blip>
+          <a:stretch>
+            <a:fillRect/>
+          </a:stretch>
+        </p:blipFill>
+        <p:spPr>
+          <a:xfrm>
+            <a:off x="966651" y="1903537"/>
+            <a:ext cx="609600" cy="609600"/>
+          </a:xfrm>
+          <a:prstGeom prst="rect">
+            <a:avLst/>
+          </a:prstGeom>
+        </p:spPr>
+      </p:pic>
+      <p:pic>
+        <p:nvPicPr>
+          <p:cNvPr id="12" name="Graphic 11">
+            <a:extLst>
+              <a:ext uri="{FF2B5EF4-FFF2-40B4-BE49-F238E27FC236}">
+                <a16:creationId xmlns:a16="http://schemas.microsoft.com/office/drawing/2014/main" id="{C1D5F40F-849D-48FC-A2C3-0C20A53C71A7}"/>
+              </a:ext>
+            </a:extLst>
+          </p:cNvPr>
+          <p:cNvPicPr>
+            <a:picLocks noChangeAspect="1"/>
+          </p:cNvPicPr>
+          <p:nvPr/>
+        </p:nvPicPr>
+        <p:blipFill>
+          <a:blip r:embed="rId5">
+            <a:extLst>
+              <a:ext uri="{96DAC541-7B7A-43D3-8B79-37D633B846F1}">
+                <asvg:svgBlip xmlns:asvg="http://schemas.microsoft.com/office/drawing/2016/SVG/main" r:embed="rId6"/>
+              </a:ext>
+            </a:extLst>
+          </a:blip>
+          <a:stretch>
+            <a:fillRect/>
+          </a:stretch>
+        </p:blipFill>
+        <p:spPr>
+          <a:xfrm>
+            <a:off x="966651" y="2647391"/>
+            <a:ext cx="609600" cy="609600"/>
+          </a:xfrm>
+          <a:prstGeom prst="rect">
+            <a:avLst/>
+          </a:prstGeom>
+        </p:spPr>
+      </p:pic>
+      <p:pic>
+        <p:nvPicPr>
+          <p:cNvPr id="14" name="Graphic 13">
+            <a:extLst>
+              <a:ext uri="{FF2B5EF4-FFF2-40B4-BE49-F238E27FC236}">
+                <a16:creationId xmlns:a16="http://schemas.microsoft.com/office/drawing/2014/main" id="{BF9B3EEE-79F7-4CB4-B5AC-902F7B865FD3}"/>
+              </a:ext>
+            </a:extLst>
+          </p:cNvPr>
+          <p:cNvPicPr>
+            <a:picLocks noChangeAspect="1"/>
+          </p:cNvPicPr>
+          <p:nvPr/>
+        </p:nvPicPr>
+        <p:blipFill>
+          <a:blip r:embed="rId7">
+            <a:extLst>
+              <a:ext uri="{96DAC541-7B7A-43D3-8B79-37D633B846F1}">
+                <asvg:svgBlip xmlns:asvg="http://schemas.microsoft.com/office/drawing/2016/SVG/main" r:embed="rId8"/>
+              </a:ext>
+            </a:extLst>
+          </a:blip>
+          <a:stretch>
+            <a:fillRect/>
+          </a:stretch>
+        </p:blipFill>
+        <p:spPr>
+          <a:xfrm>
+            <a:off x="966651" y="3391245"/>
+            <a:ext cx="609600" cy="609600"/>
+          </a:xfrm>
+          <a:prstGeom prst="rect">
+            <a:avLst/>
+          </a:prstGeom>
+        </p:spPr>
+      </p:pic>
+      <p:pic>
+        <p:nvPicPr>
+          <p:cNvPr id="16" name="Graphic 15">
+            <a:extLst>
+              <a:ext uri="{FF2B5EF4-FFF2-40B4-BE49-F238E27FC236}">
+                <a16:creationId xmlns:a16="http://schemas.microsoft.com/office/drawing/2014/main" id="{F80C5230-0D63-4AF3-B1A3-DAEC3FDA7045}"/>
+              </a:ext>
+            </a:extLst>
+          </p:cNvPr>
+          <p:cNvPicPr>
+            <a:picLocks noChangeAspect="1"/>
+          </p:cNvPicPr>
+          <p:nvPr/>
+        </p:nvPicPr>
+        <p:blipFill>
+          <a:blip r:embed="rId9">
+            <a:extLst>
+              <a:ext uri="{96DAC541-7B7A-43D3-8B79-37D633B846F1}">
+                <asvg:svgBlip xmlns:asvg="http://schemas.microsoft.com/office/drawing/2016/SVG/main" r:embed="rId10"/>
+              </a:ext>
+            </a:extLst>
+          </a:blip>
+          <a:stretch>
+            <a:fillRect/>
+          </a:stretch>
+        </p:blipFill>
+        <p:spPr>
+          <a:xfrm>
+            <a:off x="966651" y="4135099"/>
+            <a:ext cx="609600" cy="609600"/>
+          </a:xfrm>
+          <a:prstGeom prst="rect">
+            <a:avLst/>
+          </a:prstGeom>
+        </p:spPr>
+      </p:pic>
     </p:spTree>
     <p:extLst>
       <p:ext uri="{BB962C8B-B14F-4D97-AF65-F5344CB8AC3E}">
@@ -39592,15 +39770,6 @@
 </file>
 
 <file path=customXml/item2.xml><?xml version="1.0" encoding="utf-8"?>
-<?mso-contentType ?>
-<FormTemplates xmlns="http://schemas.microsoft.com/sharepoint/v3/contenttype/forms">
-  <Display>DocumentLibraryForm</Display>
-  <Edit>DocumentLibraryForm</Edit>
-  <New>DocumentLibraryForm</New>
-</FormTemplates>
-</file>
-
-<file path=customXml/item3.xml><?xml version="1.0" encoding="utf-8"?>
 <ct:contentTypeSchema xmlns:ct="http://schemas.microsoft.com/office/2006/metadata/contentType" xmlns:ma="http://schemas.microsoft.com/office/2006/metadata/properties/metaAttributes" ct:_="" ma:_="" ma:contentTypeName="Document" ma:contentTypeID="0x010100778A2EBC6E34694C80F43E94FCA993B5" ma:contentTypeVersion="14" ma:contentTypeDescription="Create a new document." ma:contentTypeScope="" ma:versionID="1a7ced39ac191f9ec8deffde533b0c1c">
   <xsd:schema xmlns:xsd="http://www.w3.org/2001/XMLSchema" xmlns:xs="http://www.w3.org/2001/XMLSchema" xmlns:p="http://schemas.microsoft.com/office/2006/metadata/properties" xmlns:ns1="http://schemas.microsoft.com/sharepoint/v3" xmlns:ns2="e4aa919a-b200-49cb-beca-4c7e0810321e" xmlns:ns3="06670dda-0291-4061-b6e0-f6c0cb392c51" targetNamespace="http://schemas.microsoft.com/office/2006/metadata/properties" ma:root="true" ma:fieldsID="bedea8c8816a4e5934c808becd103583" ns1:_="" ns2:_="" ns3:_="">
     <xsd:import namespace="http://schemas.microsoft.com/sharepoint/v3"/>
@@ -39834,6 +40003,15 @@
 </ct:contentTypeSchema>
 </file>
 
+<file path=customXml/item3.xml><?xml version="1.0" encoding="utf-8"?>
+<?mso-contentType ?>
+<FormTemplates xmlns="http://schemas.microsoft.com/sharepoint/v3/contenttype/forms">
+  <Display>DocumentLibraryForm</Display>
+  <Edit>DocumentLibraryForm</Edit>
+  <New>DocumentLibraryForm</New>
+</FormTemplates>
+</file>
+
 <file path=customXml/itemProps1.xml><?xml version="1.0" encoding="utf-8"?>
 <ds:datastoreItem xmlns:ds="http://schemas.openxmlformats.org/officeDocument/2006/customXml" ds:itemID="{F990F116-B58F-4255-B05B-DA3808E0E5C6}">
   <ds:schemaRefs>
@@ -39853,14 +40031,6 @@
 </file>
 
 <file path=customXml/itemProps2.xml><?xml version="1.0" encoding="utf-8"?>
-<ds:datastoreItem xmlns:ds="http://schemas.openxmlformats.org/officeDocument/2006/customXml" ds:itemID="{758FDAC0-319D-4A54-8D8E-1D42CB1F8004}">
-  <ds:schemaRefs>
-    <ds:schemaRef ds:uri="http://schemas.microsoft.com/sharepoint/v3/contenttype/forms"/>
-  </ds:schemaRefs>
-</ds:datastoreItem>
-</file>
-
-<file path=customXml/itemProps3.xml><?xml version="1.0" encoding="utf-8"?>
 <ds:datastoreItem xmlns:ds="http://schemas.openxmlformats.org/officeDocument/2006/customXml" ds:itemID="{0BB3C309-8520-4616-80FC-2CB10D5B83A0}">
   <ds:schemaRefs>
     <ds:schemaRef ds:uri="http://schemas.microsoft.com/office/2006/metadata/contentType"/>
@@ -39878,4 +40048,12 @@
     <ds:schemaRef ds:uri="http://schemas.microsoft.com/internal/obd"/>
   </ds:schemaRefs>
 </ds:datastoreItem>
+</file>
+
+<file path=customXml/itemProps3.xml><?xml version="1.0" encoding="utf-8"?>
+<ds:datastoreItem xmlns:ds="http://schemas.openxmlformats.org/officeDocument/2006/customXml" ds:itemID="{758FDAC0-319D-4A54-8D8E-1D42CB1F8004}">
+  <ds:schemaRefs>
+    <ds:schemaRef ds:uri="http://schemas.microsoft.com/sharepoint/v3/contenttype/forms"/>
+  </ds:schemaRefs>
+</ds:datastoreItem>
 </file>
--- a/Ignite the Tour 2020 London/Open Service Broker for Azure/OpenServiceBrokerAzure.pptx
+++ b/Ignite the Tour 2020 London/Open Service Broker for Azure/OpenServiceBrokerAzure.pptx
@@ -22,7 +22,7 @@
     <p:sldId id="2043" r:id="rId13"/>
     <p:sldId id="1527" r:id="rId14"/>
     <p:sldId id="2045" r:id="rId15"/>
-    <p:sldId id="2044" r:id="rId16"/>
+    <p:sldId id="2046" r:id="rId16"/>
   </p:sldIdLst>
   <p:sldSz cx="12192000" cy="6858000"/>
   <p:notesSz cx="6858000" cy="9144000"/>
@@ -135,7 +135,7 @@
             <p14:sldId id="2043"/>
             <p14:sldId id="1527"/>
             <p14:sldId id="2045"/>
-            <p14:sldId id="2044"/>
+            <p14:sldId id="2046"/>
           </p14:sldIdLst>
         </p14:section>
         <p14:section name="Light Gray" id="{4B1BBE2A-6D55-4595-AFBA-0E30BE368C15}">
@@ -281,7 +281,7 @@
               <a:rPr lang="en-US" smtClean="0">
                 <a:latin typeface="Segoe UI" pitchFamily="34" charset="0"/>
               </a:rPr>
-              <a:t>1/16/2020 11:23 AM</a:t>
+              <a:t>1/16/2020 11:30 AM</a:t>
             </a:fld>
             <a:endParaRPr lang="en-US" dirty="0">
               <a:latin typeface="Segoe UI" pitchFamily="34" charset="0"/>
@@ -559,7 +559,7 @@
           <a:p>
             <a:fld id="{386CE63F-9E7F-4C04-9D0D-FCA25A8E9E86}" type="datetime8">
               <a:rPr lang="en-US" smtClean="0"/>
-              <a:t>1/16/2020 11:22 AM</a:t>
+              <a:t>1/16/2020 11:30 AM</a:t>
             </a:fld>
             <a:endParaRPr lang="en-US" dirty="0"/>
           </a:p>
@@ -926,7 +926,7 @@
           <a:p>
             <a:fld id="{62072DC8-D49D-432C-9D46-A7718B5F5490}" type="datetime8">
               <a:rPr lang="en-US" smtClean="0"/>
-              <a:t>1/16/2020 11:22 AM</a:t>
+              <a:t>1/16/2020 11:30 AM</a:t>
             </a:fld>
             <a:endParaRPr lang="en-US" dirty="0"/>
           </a:p>
@@ -1091,7 +1091,7 @@
           <a:p>
             <a:fld id="{72E0C910-0166-48E0-B8EF-5071277A02A8}" type="datetime8">
               <a:rPr lang="en-US" smtClean="0"/>
-              <a:t>1/16/2020 11:22 AM</a:t>
+              <a:t>1/16/2020 11:30 AM</a:t>
             </a:fld>
             <a:endParaRPr lang="en-US" dirty="0"/>
           </a:p>
@@ -1256,7 +1256,7 @@
           <a:p>
             <a:fld id="{72E0C910-0166-48E0-B8EF-5071277A02A8}" type="datetime8">
               <a:rPr lang="en-US" smtClean="0"/>
-              <a:t>1/16/2020 11:22 AM</a:t>
+              <a:t>1/16/2020 11:30 AM</a:t>
             </a:fld>
             <a:endParaRPr lang="en-US" dirty="0"/>
           </a:p>
@@ -1421,7 +1421,7 @@
           <a:p>
             <a:fld id="{B16574EE-8191-4BCC-ABE6-D00A4F4D7690}" type="datetime8">
               <a:rPr lang="en-US" smtClean="0"/>
-              <a:t>1/16/2020 11:22 AM</a:t>
+              <a:t>1/16/2020 11:30 AM</a:t>
             </a:fld>
             <a:endParaRPr lang="en-US" dirty="0"/>
           </a:p>
@@ -1586,7 +1586,7 @@
           <a:p>
             <a:fld id="{72E0C910-0166-48E0-B8EF-5071277A02A8}" type="datetime8">
               <a:rPr lang="en-US" smtClean="0"/>
-              <a:t>1/16/2020 11:22 AM</a:t>
+              <a:t>1/16/2020 11:30 AM</a:t>
             </a:fld>
             <a:endParaRPr lang="en-US" dirty="0"/>
           </a:p>
@@ -36761,10 +36761,40 @@
           </a:prstGeom>
         </p:spPr>
       </p:pic>
+      <p:pic>
+        <p:nvPicPr>
+          <p:cNvPr id="12" name="Picture 11">
+            <a:extLst>
+              <a:ext uri="{FF2B5EF4-FFF2-40B4-BE49-F238E27FC236}">
+                <a16:creationId xmlns:a16="http://schemas.microsoft.com/office/drawing/2014/main" id="{6F5970D2-2BA0-4C92-A222-19FC0E952D8F}"/>
+              </a:ext>
+            </a:extLst>
+          </p:cNvPr>
+          <p:cNvPicPr>
+            <a:picLocks noChangeAspect="1"/>
+          </p:cNvPicPr>
+          <p:nvPr/>
+        </p:nvPicPr>
+        <p:blipFill>
+          <a:blip r:embed="rId9"/>
+          <a:stretch>
+            <a:fillRect/>
+          </a:stretch>
+        </p:blipFill>
+        <p:spPr>
+          <a:xfrm>
+            <a:off x="8795994" y="3653477"/>
+            <a:ext cx="2808093" cy="2808093"/>
+          </a:xfrm>
+          <a:prstGeom prst="rect">
+            <a:avLst/>
+          </a:prstGeom>
+        </p:spPr>
+      </p:pic>
     </p:spTree>
     <p:extLst>
       <p:ext uri="{BB962C8B-B14F-4D97-AF65-F5344CB8AC3E}">
-        <p14:creationId xmlns:p14="http://schemas.microsoft.com/office/powerpoint/2010/main" val="1381788031"/>
+        <p14:creationId xmlns:p14="http://schemas.microsoft.com/office/powerpoint/2010/main" val="306084051"/>
       </p:ext>
     </p:extLst>
   </p:cSld>
@@ -36807,14 +36837,19 @@
             <p:ph type="title"/>
           </p:nvPr>
         </p:nvSpPr>
-        <p:spPr/>
+        <p:spPr>
+          <a:xfrm>
+            <a:off x="584200" y="2425780"/>
+            <a:ext cx="5510213" cy="1107996"/>
+          </a:xfrm>
+        </p:spPr>
         <p:txBody>
           <a:bodyPr/>
           <a:lstStyle/>
           <a:p>
             <a:r>
               <a:rPr lang="en-US" dirty="0"/>
-              <a:t>Presentation title</a:t>
+              <a:t>Open Service Broker for Azure</a:t>
             </a:r>
           </a:p>
         </p:txBody>
@@ -37370,6 +37405,36 @@
           <a:xfrm>
             <a:off x="4474369" y="5585111"/>
             <a:ext cx="406400" cy="406400"/>
+          </a:xfrm>
+          <a:prstGeom prst="rect">
+            <a:avLst/>
+          </a:prstGeom>
+        </p:spPr>
+      </p:pic>
+      <p:pic>
+        <p:nvPicPr>
+          <p:cNvPr id="12" name="Picture 11">
+            <a:extLst>
+              <a:ext uri="{FF2B5EF4-FFF2-40B4-BE49-F238E27FC236}">
+                <a16:creationId xmlns:a16="http://schemas.microsoft.com/office/drawing/2014/main" id="{6F5970D2-2BA0-4C92-A222-19FC0E952D8F}"/>
+              </a:ext>
+            </a:extLst>
+          </p:cNvPr>
+          <p:cNvPicPr>
+            <a:picLocks noChangeAspect="1"/>
+          </p:cNvPicPr>
+          <p:nvPr/>
+        </p:nvPicPr>
+        <p:blipFill>
+          <a:blip r:embed="rId9"/>
+          <a:stretch>
+            <a:fillRect/>
+          </a:stretch>
+        </p:blipFill>
+        <p:spPr>
+          <a:xfrm>
+            <a:off x="8795994" y="3653477"/>
+            <a:ext cx="2808093" cy="2808093"/>
           </a:xfrm>
           <a:prstGeom prst="rect">
             <a:avLst/>
@@ -39760,13 +39825,12 @@
 </file>
 
 <file path=customXml/item1.xml><?xml version="1.0" encoding="utf-8"?>
-<p:properties xmlns:p="http://schemas.microsoft.com/office/2006/metadata/properties" xmlns:xsi="http://www.w3.org/2001/XMLSchema-instance" xmlns:pc="http://schemas.microsoft.com/office/infopath/2007/PartnerControls">
-  <documentManagement>
-    <_ip_UnifiedCompliancePolicyUIAction xmlns="http://schemas.microsoft.com/sharepoint/v3" xsi:nil="true"/>
-    <_ip_UnifiedCompliancePolicyProperties xmlns="http://schemas.microsoft.com/sharepoint/v3" xsi:nil="true"/>
-    <MediaServiceKeyPoints xmlns="e4aa919a-b200-49cb-beca-4c7e0810321e" xsi:nil="true"/>
-  </documentManagement>
-</p:properties>
+<?mso-contentType ?>
+<FormTemplates xmlns="http://schemas.microsoft.com/sharepoint/v3/contenttype/forms">
+  <Display>DocumentLibraryForm</Display>
+  <Edit>DocumentLibraryForm</Edit>
+  <New>DocumentLibraryForm</New>
+</FormTemplates>
 </file>
 
 <file path=customXml/item2.xml><?xml version="1.0" encoding="utf-8"?>
@@ -40004,28 +40068,19 @@
 </file>
 
 <file path=customXml/item3.xml><?xml version="1.0" encoding="utf-8"?>
-<?mso-contentType ?>
-<FormTemplates xmlns="http://schemas.microsoft.com/sharepoint/v3/contenttype/forms">
-  <Display>DocumentLibraryForm</Display>
-  <Edit>DocumentLibraryForm</Edit>
-  <New>DocumentLibraryForm</New>
-</FormTemplates>
+<p:properties xmlns:p="http://schemas.microsoft.com/office/2006/metadata/properties" xmlns:xsi="http://www.w3.org/2001/XMLSchema-instance" xmlns:pc="http://schemas.microsoft.com/office/infopath/2007/PartnerControls">
+  <documentManagement>
+    <_ip_UnifiedCompliancePolicyUIAction xmlns="http://schemas.microsoft.com/sharepoint/v3" xsi:nil="true"/>
+    <_ip_UnifiedCompliancePolicyProperties xmlns="http://schemas.microsoft.com/sharepoint/v3" xsi:nil="true"/>
+    <MediaServiceKeyPoints xmlns="e4aa919a-b200-49cb-beca-4c7e0810321e" xsi:nil="true"/>
+  </documentManagement>
+</p:properties>
 </file>
 
 <file path=customXml/itemProps1.xml><?xml version="1.0" encoding="utf-8"?>
-<ds:datastoreItem xmlns:ds="http://schemas.openxmlformats.org/officeDocument/2006/customXml" ds:itemID="{F990F116-B58F-4255-B05B-DA3808E0E5C6}">
+<ds:datastoreItem xmlns:ds="http://schemas.openxmlformats.org/officeDocument/2006/customXml" ds:itemID="{758FDAC0-319D-4A54-8D8E-1D42CB1F8004}">
   <ds:schemaRefs>
-    <ds:schemaRef ds:uri="http://schemas.microsoft.com/office/2006/documentManagement/types"/>
-    <ds:schemaRef ds:uri="http://schemas.microsoft.com/office/2006/metadata/properties"/>
-    <ds:schemaRef ds:uri="06670dda-0291-4061-b6e0-f6c0cb392c51"/>
-    <ds:schemaRef ds:uri="http://purl.org/dc/elements/1.1/"/>
-    <ds:schemaRef ds:uri="http://schemas.openxmlformats.org/package/2006/metadata/core-properties"/>
-    <ds:schemaRef ds:uri="http://www.w3.org/XML/1998/namespace"/>
-    <ds:schemaRef ds:uri="http://schemas.microsoft.com/office/infopath/2007/PartnerControls"/>
-    <ds:schemaRef ds:uri="e4aa919a-b200-49cb-beca-4c7e0810321e"/>
-    <ds:schemaRef ds:uri="http://schemas.microsoft.com/sharepoint/v3"/>
-    <ds:schemaRef ds:uri="http://purl.org/dc/dcmitype/"/>
-    <ds:schemaRef ds:uri="http://purl.org/dc/terms/"/>
+    <ds:schemaRef ds:uri="http://schemas.microsoft.com/sharepoint/v3/contenttype/forms"/>
   </ds:schemaRefs>
 </ds:datastoreItem>
 </file>
@@ -40051,9 +40106,19 @@
 </file>
 
 <file path=customXml/itemProps3.xml><?xml version="1.0" encoding="utf-8"?>
-<ds:datastoreItem xmlns:ds="http://schemas.openxmlformats.org/officeDocument/2006/customXml" ds:itemID="{758FDAC0-319D-4A54-8D8E-1D42CB1F8004}">
+<ds:datastoreItem xmlns:ds="http://schemas.openxmlformats.org/officeDocument/2006/customXml" ds:itemID="{F990F116-B58F-4255-B05B-DA3808E0E5C6}">
   <ds:schemaRefs>
-    <ds:schemaRef ds:uri="http://schemas.microsoft.com/sharepoint/v3/contenttype/forms"/>
+    <ds:schemaRef ds:uri="http://schemas.microsoft.com/office/2006/documentManagement/types"/>
+    <ds:schemaRef ds:uri="http://schemas.microsoft.com/office/2006/metadata/properties"/>
+    <ds:schemaRef ds:uri="06670dda-0291-4061-b6e0-f6c0cb392c51"/>
+    <ds:schemaRef ds:uri="http://purl.org/dc/elements/1.1/"/>
+    <ds:schemaRef ds:uri="http://schemas.openxmlformats.org/package/2006/metadata/core-properties"/>
+    <ds:schemaRef ds:uri="http://www.w3.org/XML/1998/namespace"/>
+    <ds:schemaRef ds:uri="http://schemas.microsoft.com/office/infopath/2007/PartnerControls"/>
+    <ds:schemaRef ds:uri="e4aa919a-b200-49cb-beca-4c7e0810321e"/>
+    <ds:schemaRef ds:uri="http://schemas.microsoft.com/sharepoint/v3"/>
+    <ds:schemaRef ds:uri="http://purl.org/dc/dcmitype/"/>
+    <ds:schemaRef ds:uri="http://purl.org/dc/terms/"/>
   </ds:schemaRefs>
 </ds:datastoreItem>
 </file>